--- a/docs/Template Slide SQA.pptx
+++ b/docs/Template Slide SQA.pptx
@@ -283,7 +283,7 @@
       <p15:sldGuideLst xmlns:p15="http://schemas.microsoft.com/office/powerpoint/2012/main"/>
     </p:ext>
     <p:ext uri="GoogleSlidesCustomDataVersion2">
-      <go:slidesCustomData xmlns="" xmlns:mc="http://schemas.openxmlformats.org/markup-compatibility/2006" xmlns:mv="urn:schemas-microsoft-com:mac:vml" xmlns:c="http://schemas.openxmlformats.org/drawingml/2006/chart" xmlns:dgm="http://schemas.openxmlformats.org/drawingml/2006/diagram" xmlns:o="urn:schemas-microsoft-com:office:office" xmlns:v="urn:schemas-microsoft-com:vml" xmlns:pvml="urn:schemas-microsoft-com:office:powerpoint" xmlns:com="http://schemas.openxmlformats.org/drawingml/2006/compatibility" xmlns:p14="http://schemas.microsoft.com/office/powerpoint/2010/main" xmlns:p15="http://schemas.microsoft.com/office/powerpoint/2012/main" xmlns:ahyp="http://schemas.microsoft.com/office/drawing/2018/hyperlinkcolor" xmlns:go="http://customooxmlschemas.google.com/" r:id="rId52" roundtripDataSignature="AMtx7mgzalF4DGvfEshU7BVqSP7oz0qtVA=="/>
+      <go:slidesCustomData xmlns:go="http://customooxmlschemas.google.com/" xmlns:ahyp="http://schemas.microsoft.com/office/drawing/2018/hyperlinkcolor" xmlns:p15="http://schemas.microsoft.com/office/powerpoint/2012/main" xmlns:p14="http://schemas.microsoft.com/office/powerpoint/2010/main" xmlns:com="http://schemas.openxmlformats.org/drawingml/2006/compatibility" xmlns:pvml="urn:schemas-microsoft-com:office:powerpoint" xmlns:v="urn:schemas-microsoft-com:vml" xmlns:o="urn:schemas-microsoft-com:office:office" xmlns:dgm="http://schemas.openxmlformats.org/drawingml/2006/diagram" xmlns:c="http://schemas.openxmlformats.org/drawingml/2006/chart" xmlns:mv="urn:schemas-microsoft-com:mac:vml" xmlns:mc="http://schemas.openxmlformats.org/markup-compatibility/2006" xmlns="" r:id="rId52" roundtripDataSignature="AMtx7mgzalF4DGvfEshU7BVqSP7oz0qtVA=="/>
     </p:ext>
   </p:extLst>
 </p:presentation>
@@ -21664,7 +21664,7 @@
           <p:nvPr>
             <p:extLst>
               <p:ext uri="{D42A27DB-BD31-4B8C-83A1-F6EECF244321}">
-                <p14:modId xmlns:p14="http://schemas.microsoft.com/office/powerpoint/2010/main" val="970686802"/>
+                <p14:modId xmlns:p14="http://schemas.microsoft.com/office/powerpoint/2010/main" val="3780730941"/>
               </p:ext>
             </p:extLst>
           </p:nvPr>
@@ -21677,7 +21677,7 @@
           <a:graphicData uri="http://schemas.openxmlformats.org/drawingml/2006/table">
             <a:tbl>
               <a:tblPr firstRow="1" firstCol="1" bandRow="1">
-                <a:tableStyleId>{5C22544A-7EE6-4342-B048-85BDC9FD1C3A}</a:tableStyleId>
+                <a:tableStyleId>{7DF18680-E054-41AD-8BC1-D1AEF772440D}</a:tableStyleId>
               </a:tblPr>
               <a:tblGrid>
                 <a:gridCol w="1229795">
@@ -21710,12 +21710,12 @@
                         </a:spcBef>
                       </a:pPr>
                       <a:r>
-                        <a:rPr lang="vi-VN" sz="600">
+                        <a:rPr lang="vi-VN" sz="600" dirty="0">
                           <a:effectLst/>
                         </a:rPr>
                         <a:t>Mã Testcase</a:t>
                       </a:r>
-                      <a:endParaRPr lang="en-US" sz="600">
+                      <a:endParaRPr lang="en-US" sz="600" dirty="0">
                         <a:effectLst/>
                         <a:latin typeface="Times New Roman" panose="02020603050405020304" pitchFamily="18" charset="0"/>
                         <a:ea typeface="Calibri" panose="020F0502020204030204" pitchFamily="34" charset="0"/>
@@ -21911,12 +21911,12 @@
                         </a:spcBef>
                       </a:pPr>
                       <a:r>
-                        <a:rPr lang="vi-VN" sz="600">
+                        <a:rPr lang="vi-VN" sz="600" dirty="0">
                           <a:effectLst/>
                         </a:rPr>
                         <a:t>Điều kiện trước</a:t>
                       </a:r>
-                      <a:endParaRPr lang="en-US" sz="600">
+                      <a:endParaRPr lang="en-US" sz="600" dirty="0">
                         <a:effectLst/>
                         <a:latin typeface="Times New Roman" panose="02020603050405020304" pitchFamily="18" charset="0"/>
                         <a:ea typeface="Calibri" panose="020F0502020204030204" pitchFamily="34" charset="0"/>
@@ -21976,12 +21976,12 @@
                         </a:spcBef>
                       </a:pPr>
                       <a:r>
-                        <a:rPr lang="vi-VN" sz="600">
+                        <a:rPr lang="vi-VN" sz="600" dirty="0">
                           <a:effectLst/>
                         </a:rPr>
                         <a:t>Các bước thực hiện</a:t>
                       </a:r>
-                      <a:endParaRPr lang="en-US" sz="600">
+                      <a:endParaRPr lang="en-US" sz="600" dirty="0">
                         <a:effectLst/>
                         <a:latin typeface="Times New Roman" panose="02020603050405020304" pitchFamily="18" charset="0"/>
                         <a:ea typeface="Calibri" panose="020F0502020204030204" pitchFamily="34" charset="0"/>
@@ -22813,7 +22813,7 @@
           <p:nvPr>
             <p:extLst>
               <p:ext uri="{D42A27DB-BD31-4B8C-83A1-F6EECF244321}">
-                <p14:modId xmlns:p14="http://schemas.microsoft.com/office/powerpoint/2010/main" val="2267681454"/>
+                <p14:modId xmlns:p14="http://schemas.microsoft.com/office/powerpoint/2010/main" val="782036706"/>
               </p:ext>
             </p:extLst>
           </p:nvPr>
@@ -22826,7 +22826,7 @@
           <a:graphicData uri="http://schemas.openxmlformats.org/drawingml/2006/table">
             <a:tbl>
               <a:tblPr firstRow="1" firstCol="1" bandRow="1">
-                <a:tableStyleId>{5C22544A-7EE6-4342-B048-85BDC9FD1C3A}</a:tableStyleId>
+                <a:tableStyleId>{7DF18680-E054-41AD-8BC1-D1AEF772440D}</a:tableStyleId>
               </a:tblPr>
               <a:tblGrid>
                 <a:gridCol w="1285640">
@@ -22859,12 +22859,12 @@
                         </a:spcBef>
                       </a:pPr>
                       <a:r>
-                        <a:rPr lang="vi-VN" sz="1000">
+                        <a:rPr lang="vi-VN" sz="1000" dirty="0">
                           <a:effectLst/>
                         </a:rPr>
                         <a:t>Mã Testcase</a:t>
                       </a:r>
-                      <a:endParaRPr lang="en-US" sz="1000">
+                      <a:endParaRPr lang="en-US" sz="1000" dirty="0">
                         <a:effectLst/>
                         <a:latin typeface="Times New Roman" panose="02020603050405020304" pitchFamily="18" charset="0"/>
                         <a:ea typeface="Calibri" panose="020F0502020204030204" pitchFamily="34" charset="0"/>
@@ -22995,12 +22995,24 @@
                         </a:spcBef>
                       </a:pPr>
                       <a:r>
-                        <a:rPr lang="en-US" sz="1000">
+                        <a:rPr lang="en-US" sz="1000" dirty="0" err="1">
                           <a:effectLst/>
                         </a:rPr>
-                        <a:t>Mục đích</a:t>
-                      </a:r>
-                      <a:endParaRPr lang="en-US" sz="1000">
+                        <a:t>Mục</a:t>
+                      </a:r>
+                      <a:r>
+                        <a:rPr lang="en-US" sz="1000" dirty="0">
+                          <a:effectLst/>
+                        </a:rPr>
+                        <a:t> </a:t>
+                      </a:r>
+                      <a:r>
+                        <a:rPr lang="en-US" sz="1000" dirty="0" err="1">
+                          <a:effectLst/>
+                        </a:rPr>
+                        <a:t>đích</a:t>
+                      </a:r>
+                      <a:endParaRPr lang="en-US" sz="1000" dirty="0">
                         <a:effectLst/>
                         <a:latin typeface="Times New Roman" panose="02020603050405020304" pitchFamily="18" charset="0"/>
                         <a:ea typeface="Calibri" panose="020F0502020204030204" pitchFamily="34" charset="0"/>
@@ -23125,12 +23137,12 @@
                         </a:spcBef>
                       </a:pPr>
                       <a:r>
-                        <a:rPr lang="vi-VN" sz="1000">
+                        <a:rPr lang="vi-VN" sz="1000" dirty="0">
                           <a:effectLst/>
                         </a:rPr>
                         <a:t>Các bước thực hiện</a:t>
                       </a:r>
-                      <a:endParaRPr lang="en-US" sz="1000">
+                      <a:endParaRPr lang="en-US" sz="1000" dirty="0">
                         <a:effectLst/>
                         <a:latin typeface="Times New Roman" panose="02020603050405020304" pitchFamily="18" charset="0"/>
                         <a:ea typeface="Calibri" panose="020F0502020204030204" pitchFamily="34" charset="0"/>
@@ -23154,12 +23166,12 @@
                         </a:spcBef>
                       </a:pPr>
                       <a:r>
-                        <a:rPr lang="vi-VN" sz="1000">
+                        <a:rPr lang="vi-VN" sz="1000" dirty="0">
                           <a:effectLst/>
                         </a:rPr>
                         <a:t>B1: Truy cập website https://nxbkimdong.com.vn/</a:t>
                       </a:r>
-                      <a:endParaRPr lang="en-US" sz="1000">
+                      <a:endParaRPr lang="en-US" sz="1000" dirty="0">
                         <a:effectLst/>
                       </a:endParaRPr>
                     </a:p>
@@ -23173,12 +23185,12 @@
                         </a:spcBef>
                       </a:pPr>
                       <a:r>
-                        <a:rPr lang="vi-VN" sz="1000">
+                        <a:rPr lang="vi-VN" sz="1000" dirty="0">
                           <a:effectLst/>
                         </a:rPr>
                         <a:t>B2: Chọn một bộ truyện bất kỳ</a:t>
                       </a:r>
-                      <a:endParaRPr lang="en-US" sz="1000">
+                      <a:endParaRPr lang="en-US" sz="1000" dirty="0">
                         <a:effectLst/>
                       </a:endParaRPr>
                     </a:p>
@@ -23192,12 +23204,12 @@
                         </a:spcBef>
                       </a:pPr>
                       <a:r>
-                        <a:rPr lang="vi-VN" sz="1000">
+                        <a:rPr lang="vi-VN" sz="1000" dirty="0">
                           <a:effectLst/>
                         </a:rPr>
                         <a:t>B3: Nhấn mua ngay</a:t>
                       </a:r>
-                      <a:endParaRPr lang="en-US" sz="1000">
+                      <a:endParaRPr lang="en-US" sz="1000" dirty="0">
                         <a:effectLst/>
                       </a:endParaRPr>
                     </a:p>
@@ -23211,12 +23223,12 @@
                         </a:spcBef>
                       </a:pPr>
                       <a:r>
-                        <a:rPr lang="vi-VN" sz="1000">
+                        <a:rPr lang="vi-VN" sz="1000" dirty="0">
                           <a:effectLst/>
                         </a:rPr>
                         <a:t>B4: Nhập đúng và đầy đủ các trườn thông tin vận chuyển</a:t>
                       </a:r>
-                      <a:endParaRPr lang="en-US" sz="1000">
+                      <a:endParaRPr lang="en-US" sz="1000" dirty="0">
                         <a:effectLst/>
                       </a:endParaRPr>
                     </a:p>
@@ -23230,12 +23242,12 @@
                         </a:spcBef>
                       </a:pPr>
                       <a:r>
-                        <a:rPr lang="vi-VN" sz="1000">
+                        <a:rPr lang="vi-VN" sz="1000" dirty="0">
                           <a:effectLst/>
                         </a:rPr>
                         <a:t>B5: Nhấn phương thức thanh toán</a:t>
                       </a:r>
-                      <a:endParaRPr lang="en-US" sz="1000">
+                      <a:endParaRPr lang="en-US" sz="1000" dirty="0">
                         <a:effectLst/>
                         <a:latin typeface="Times New Roman" panose="02020603050405020304" pitchFamily="18" charset="0"/>
                         <a:ea typeface="Calibri" panose="020F0502020204030204" pitchFamily="34" charset="0"/>
@@ -23295,12 +23307,12 @@
                         </a:spcBef>
                       </a:pPr>
                       <a:r>
-                        <a:rPr lang="vi-VN" sz="1000">
+                        <a:rPr lang="vi-VN" sz="1000" dirty="0">
                           <a:effectLst/>
                         </a:rPr>
                         <a:t>Khi nhấn tab, con trỏ chuột di chuyển từ vị trí đặt đến các trường nhập, link liên kết, nút button</a:t>
                       </a:r>
-                      <a:endParaRPr lang="en-US" sz="1000">
+                      <a:endParaRPr lang="en-US" sz="1000" dirty="0">
                         <a:effectLst/>
                       </a:endParaRPr>
                     </a:p>
@@ -23314,12 +23326,12 @@
                         </a:spcBef>
                       </a:pPr>
                       <a:r>
-                        <a:rPr lang="vi-VN" sz="1000">
+                        <a:rPr lang="vi-VN" sz="1000" dirty="0">
                           <a:effectLst/>
                         </a:rPr>
                         <a:t>Khi con trỏ chuột di chuyển đến vị trí nút button hoặc link liên kết, nhấn Enter sẽ kích hoạt các chức năng tương ứng của từng nút</a:t>
                       </a:r>
-                      <a:endParaRPr lang="en-US" sz="1000">
+                      <a:endParaRPr lang="en-US" sz="1000" dirty="0">
                         <a:effectLst/>
                         <a:latin typeface="Times New Roman" panose="02020603050405020304" pitchFamily="18" charset="0"/>
                         <a:ea typeface="Calibri" panose="020F0502020204030204" pitchFamily="34" charset="0"/>
@@ -23612,7 +23624,7 @@
           <p:nvPr>
             <p:extLst>
               <p:ext uri="{D42A27DB-BD31-4B8C-83A1-F6EECF244321}">
-                <p14:modId xmlns:p14="http://schemas.microsoft.com/office/powerpoint/2010/main" val="1548891881"/>
+                <p14:modId xmlns:p14="http://schemas.microsoft.com/office/powerpoint/2010/main" val="2338966488"/>
               </p:ext>
             </p:extLst>
           </p:nvPr>
@@ -23625,7 +23637,7 @@
           <a:graphicData uri="http://schemas.openxmlformats.org/drawingml/2006/table">
             <a:tbl>
               <a:tblPr firstRow="1" firstCol="1" bandRow="1">
-                <a:tableStyleId>{5C22544A-7EE6-4342-B048-85BDC9FD1C3A}</a:tableStyleId>
+                <a:tableStyleId>{7DF18680-E054-41AD-8BC1-D1AEF772440D}</a:tableStyleId>
               </a:tblPr>
               <a:tblGrid>
                 <a:gridCol w="1293452">
@@ -23658,12 +23670,12 @@
                         </a:spcBef>
                       </a:pPr>
                       <a:r>
-                        <a:rPr lang="vi-VN" sz="1100">
+                        <a:rPr lang="vi-VN" sz="1100" dirty="0">
                           <a:effectLst/>
                         </a:rPr>
                         <a:t>Mã Testcase</a:t>
                       </a:r>
-                      <a:endParaRPr lang="en-US" sz="1100">
+                      <a:endParaRPr lang="en-US" sz="1100" dirty="0">
                         <a:effectLst/>
                         <a:latin typeface="Times New Roman" panose="02020603050405020304" pitchFamily="18" charset="0"/>
                         <a:ea typeface="Calibri" panose="020F0502020204030204" pitchFamily="34" charset="0"/>
@@ -23729,12 +23741,18 @@
                         </a:spcBef>
                       </a:pPr>
                       <a:r>
-                        <a:rPr lang="en-US" sz="1100">
+                        <a:rPr lang="en-US" sz="1100" dirty="0" err="1">
                           <a:effectLst/>
                         </a:rPr>
-                        <a:t>Tên test case</a:t>
-                      </a:r>
-                      <a:endParaRPr lang="en-US" sz="1100">
+                        <a:t>Tên</a:t>
+                      </a:r>
+                      <a:r>
+                        <a:rPr lang="en-US" sz="1100" dirty="0">
+                          <a:effectLst/>
+                        </a:rPr>
+                        <a:t> test case</a:t>
+                      </a:r>
+                      <a:endParaRPr lang="en-US" sz="1100" dirty="0">
                         <a:effectLst/>
                         <a:latin typeface="Times New Roman" panose="02020603050405020304" pitchFamily="18" charset="0"/>
                         <a:ea typeface="Calibri" panose="020F0502020204030204" pitchFamily="34" charset="0"/>
@@ -23924,12 +23942,12 @@
                         </a:spcBef>
                       </a:pPr>
                       <a:r>
-                        <a:rPr lang="vi-VN" sz="1100">
+                        <a:rPr lang="vi-VN" sz="1100" dirty="0">
                           <a:effectLst/>
                         </a:rPr>
                         <a:t>Các bước thực hiện</a:t>
                       </a:r>
-                      <a:endParaRPr lang="en-US" sz="1100">
+                      <a:endParaRPr lang="en-US" sz="1100" dirty="0">
                         <a:effectLst/>
                         <a:latin typeface="Times New Roman" panose="02020603050405020304" pitchFamily="18" charset="0"/>
                         <a:ea typeface="Calibri" panose="020F0502020204030204" pitchFamily="34" charset="0"/>
@@ -23953,12 +23971,12 @@
                         </a:spcBef>
                       </a:pPr>
                       <a:r>
-                        <a:rPr lang="vi-VN" sz="1100">
+                        <a:rPr lang="vi-VN" sz="1100" dirty="0">
                           <a:effectLst/>
                         </a:rPr>
                         <a:t>B1: Mở trang thông tin vận chuyển</a:t>
                       </a:r>
-                      <a:endParaRPr lang="en-US" sz="1100">
+                      <a:endParaRPr lang="en-US" sz="1100" dirty="0">
                         <a:effectLst/>
                       </a:endParaRPr>
                     </a:p>
@@ -23972,12 +23990,12 @@
                         </a:spcBef>
                       </a:pPr>
                       <a:r>
-                        <a:rPr lang="vi-VN" sz="1100">
+                        <a:rPr lang="vi-VN" sz="1100" dirty="0">
                           <a:effectLst/>
                         </a:rPr>
                         <a:t>B2: Mở blazemeter và record quá trình hiển thị lỗi, sau đó nhấn stop và xuất file .JMX</a:t>
                       </a:r>
-                      <a:endParaRPr lang="en-US" sz="1100">
+                      <a:endParaRPr lang="en-US" sz="1100" dirty="0">
                         <a:effectLst/>
                       </a:endParaRPr>
                     </a:p>
@@ -23991,12 +24009,12 @@
                         </a:spcBef>
                       </a:pPr>
                       <a:r>
-                        <a:rPr lang="vi-VN" sz="1100">
+                        <a:rPr lang="vi-VN" sz="1100" dirty="0">
                           <a:effectLst/>
                         </a:rPr>
                         <a:t>B3: Mở Jmeter, chọn Open và chọn file .JMX vừa xuất</a:t>
                       </a:r>
-                      <a:endParaRPr lang="en-US" sz="1100">
+                      <a:endParaRPr lang="en-US" sz="1100" dirty="0">
                         <a:effectLst/>
                       </a:endParaRPr>
                     </a:p>
@@ -24010,12 +24028,12 @@
                         </a:spcBef>
                       </a:pPr>
                       <a:r>
-                        <a:rPr lang="vi-VN" sz="1100">
+                        <a:rPr lang="vi-VN" sz="1100" dirty="0">
                           <a:effectLst/>
                         </a:rPr>
                         <a:t>B4: Tại Thread Group, nhập user: 1, seconds: 1s, loop count: 1</a:t>
                       </a:r>
-                      <a:endParaRPr lang="en-US" sz="1100">
+                      <a:endParaRPr lang="en-US" sz="1100" dirty="0">
                         <a:effectLst/>
                       </a:endParaRPr>
                     </a:p>
@@ -24029,12 +24047,12 @@
                         </a:spcBef>
                       </a:pPr>
                       <a:r>
-                        <a:rPr lang="vi-VN" sz="1100">
+                        <a:rPr lang="vi-VN" sz="1100" dirty="0">
                           <a:effectLst/>
                         </a:rPr>
                         <a:t>B5: Thêm View Result Tree, Summary Report, Response Time Graph</a:t>
                       </a:r>
-                      <a:endParaRPr lang="en-US" sz="1100">
+                      <a:endParaRPr lang="en-US" sz="1100" dirty="0">
                         <a:effectLst/>
                       </a:endParaRPr>
                     </a:p>
@@ -24048,12 +24066,12 @@
                         </a:spcBef>
                       </a:pPr>
                       <a:r>
-                        <a:rPr lang="vi-VN" sz="1100">
+                        <a:rPr lang="vi-VN" sz="1100" dirty="0">
                           <a:effectLst/>
                         </a:rPr>
                         <a:t>B5: Nhấn Run</a:t>
                       </a:r>
-                      <a:endParaRPr lang="en-US" sz="1100">
+                      <a:endParaRPr lang="en-US" sz="1100" dirty="0">
                         <a:effectLst/>
                         <a:latin typeface="Times New Roman" panose="02020603050405020304" pitchFamily="18" charset="0"/>
                         <a:ea typeface="Calibri" panose="020F0502020204030204" pitchFamily="34" charset="0"/>
@@ -24113,12 +24131,12 @@
                         </a:spcBef>
                       </a:pPr>
                       <a:r>
-                        <a:rPr lang="vi-VN" sz="1100">
+                        <a:rPr lang="vi-VN" sz="1100" dirty="0">
                           <a:effectLst/>
                         </a:rPr>
                         <a:t>Thời gian trung bình: &lt;= 500ms</a:t>
                       </a:r>
-                      <a:endParaRPr lang="en-US" sz="1100">
+                      <a:endParaRPr lang="en-US" sz="1100" dirty="0">
                         <a:effectLst/>
                       </a:endParaRPr>
                     </a:p>
@@ -24132,12 +24150,12 @@
                         </a:spcBef>
                       </a:pPr>
                       <a:r>
-                        <a:rPr lang="vi-VN" sz="1100">
+                        <a:rPr lang="vi-VN" sz="1100" dirty="0">
                           <a:effectLst/>
                         </a:rPr>
                         <a:t>Tỉ lệ lỗi: &lt;= 0,1%</a:t>
                       </a:r>
-                      <a:endParaRPr lang="en-US" sz="1100">
+                      <a:endParaRPr lang="en-US" sz="1100" dirty="0">
                         <a:effectLst/>
                       </a:endParaRPr>
                     </a:p>
@@ -24151,12 +24169,12 @@
                         </a:spcBef>
                       </a:pPr>
                       <a:r>
-                        <a:rPr lang="vi-VN" sz="1100">
+                        <a:rPr lang="vi-VN" sz="1100" dirty="0">
                           <a:effectLst/>
                         </a:rPr>
                         <a:t>Thông lượng: &gt;= 0,5 request/giây</a:t>
                       </a:r>
-                      <a:endParaRPr lang="en-US" sz="1100">
+                      <a:endParaRPr lang="en-US" sz="1100" dirty="0">
                         <a:effectLst/>
                         <a:latin typeface="Times New Roman" panose="02020603050405020304" pitchFamily="18" charset="0"/>
                         <a:ea typeface="Calibri" panose="020F0502020204030204" pitchFamily="34" charset="0"/>
@@ -45299,7 +45317,7 @@
           <p:nvPr>
             <p:extLst>
               <p:ext uri="{D42A27DB-BD31-4B8C-83A1-F6EECF244321}">
-                <p14:modId xmlns:p14="http://schemas.microsoft.com/office/powerpoint/2010/main" val="308257394"/>
+                <p14:modId xmlns:p14="http://schemas.microsoft.com/office/powerpoint/2010/main" val="3131720619"/>
               </p:ext>
             </p:extLst>
           </p:nvPr>
@@ -45312,7 +45330,7 @@
           <a:graphicData uri="http://schemas.openxmlformats.org/drawingml/2006/table">
             <a:tbl>
               <a:tblPr firstRow="1" bandRow="1">
-                <a:tableStyleId>{5C22544A-7EE6-4342-B048-85BDC9FD1C3A}</a:tableStyleId>
+                <a:tableStyleId>{FABFCF23-3B69-468F-B69F-88F6DE6A72F2}</a:tableStyleId>
               </a:tblPr>
               <a:tblGrid>
                 <a:gridCol w="1830338">
@@ -46639,287 +46657,221 @@
                     <a:lstStyle/>
                     <a:p>
                       <a:r>
-                        <a:rPr lang="en-US" sz="1400" b="0" i="0" u="none" strike="noStrike" cap="none" dirty="0">
+                        <a:rPr lang="en-US" sz="1400" b="0" u="none" strike="noStrike" cap="none" dirty="0">
                           <a:solidFill>
                             <a:schemeClr val="dk1"/>
                           </a:solidFill>
                           <a:effectLst/>
-                          <a:latin typeface="+mn-lt"/>
-                          <a:ea typeface="+mn-ea"/>
-                          <a:cs typeface="+mn-cs"/>
                           <a:sym typeface="Arial"/>
                         </a:rPr>
                         <a:t>Cho </a:t>
                       </a:r>
                       <a:r>
-                        <a:rPr lang="en-US" sz="1400" b="0" i="0" u="none" strike="noStrike" cap="none" dirty="0" err="1">
+                        <a:rPr lang="en-US" sz="1400" b="0" u="none" strike="noStrike" cap="none" dirty="0" err="1">
                           <a:solidFill>
                             <a:schemeClr val="dk1"/>
                           </a:solidFill>
                           <a:effectLst/>
-                          <a:latin typeface="+mn-lt"/>
-                          <a:ea typeface="+mn-ea"/>
-                          <a:cs typeface="+mn-cs"/>
                           <a:sym typeface="Arial"/>
                         </a:rPr>
                         <a:t>phép</a:t>
                       </a:r>
                       <a:r>
-                        <a:rPr lang="en-US" sz="1400" b="0" i="0" u="none" strike="noStrike" cap="none" dirty="0">
+                        <a:rPr lang="en-US" sz="1400" b="0" u="none" strike="noStrike" cap="none" dirty="0">
                           <a:solidFill>
                             <a:schemeClr val="dk1"/>
                           </a:solidFill>
                           <a:effectLst/>
-                          <a:latin typeface="+mn-lt"/>
-                          <a:ea typeface="+mn-ea"/>
-                          <a:cs typeface="+mn-cs"/>
                           <a:sym typeface="Arial"/>
                         </a:rPr>
                         <a:t> </a:t>
                       </a:r>
                       <a:r>
-                        <a:rPr lang="en-US" sz="1400" b="0" i="0" u="none" strike="noStrike" cap="none" dirty="0" err="1">
+                        <a:rPr lang="en-US" sz="1400" b="0" u="none" strike="noStrike" cap="none" dirty="0" err="1">
                           <a:solidFill>
                             <a:schemeClr val="dk1"/>
                           </a:solidFill>
                           <a:effectLst/>
-                          <a:latin typeface="+mn-lt"/>
-                          <a:ea typeface="+mn-ea"/>
-                          <a:cs typeface="+mn-cs"/>
                           <a:sym typeface="Arial"/>
                         </a:rPr>
                         <a:t>tìm</a:t>
                       </a:r>
                       <a:r>
-                        <a:rPr lang="en-US" sz="1400" b="0" i="0" u="none" strike="noStrike" cap="none" dirty="0">
+                        <a:rPr lang="en-US" sz="1400" b="0" u="none" strike="noStrike" cap="none" dirty="0">
                           <a:solidFill>
                             <a:schemeClr val="dk1"/>
                           </a:solidFill>
                           <a:effectLst/>
-                          <a:latin typeface="+mn-lt"/>
-                          <a:ea typeface="+mn-ea"/>
-                          <a:cs typeface="+mn-cs"/>
                           <a:sym typeface="Arial"/>
                         </a:rPr>
                         <a:t> </a:t>
                       </a:r>
                       <a:r>
-                        <a:rPr lang="en-US" sz="1400" b="0" i="0" u="none" strike="noStrike" cap="none" dirty="0" err="1">
+                        <a:rPr lang="en-US" sz="1400" b="0" u="none" strike="noStrike" cap="none" dirty="0" err="1">
                           <a:solidFill>
                             <a:schemeClr val="dk1"/>
                           </a:solidFill>
                           <a:effectLst/>
-                          <a:latin typeface="+mn-lt"/>
-                          <a:ea typeface="+mn-ea"/>
-                          <a:cs typeface="+mn-cs"/>
                           <a:sym typeface="Arial"/>
                         </a:rPr>
                         <a:t>kiếm</a:t>
                       </a:r>
                       <a:r>
-                        <a:rPr lang="en-US" sz="1400" b="0" i="0" u="none" strike="noStrike" cap="none" dirty="0">
+                        <a:rPr lang="en-US" sz="1400" b="0" u="none" strike="noStrike" cap="none" dirty="0">
                           <a:solidFill>
                             <a:schemeClr val="dk1"/>
                           </a:solidFill>
                           <a:effectLst/>
-                          <a:latin typeface="+mn-lt"/>
-                          <a:ea typeface="+mn-ea"/>
-                          <a:cs typeface="+mn-cs"/>
                           <a:sym typeface="Arial"/>
                         </a:rPr>
                         <a:t> </a:t>
                       </a:r>
                       <a:r>
-                        <a:rPr lang="en-US" sz="1400" b="0" i="0" u="none" strike="noStrike" cap="none" dirty="0" err="1">
+                        <a:rPr lang="en-US" sz="1400" b="0" u="none" strike="noStrike" cap="none" dirty="0" err="1">
                           <a:solidFill>
                             <a:schemeClr val="dk1"/>
                           </a:solidFill>
                           <a:effectLst/>
-                          <a:latin typeface="+mn-lt"/>
-                          <a:ea typeface="+mn-ea"/>
-                          <a:cs typeface="+mn-cs"/>
                           <a:sym typeface="Arial"/>
                         </a:rPr>
                         <a:t>nhanh</a:t>
                       </a:r>
                       <a:r>
-                        <a:rPr lang="en-US" sz="1400" b="0" i="0" u="none" strike="noStrike" cap="none" dirty="0">
+                        <a:rPr lang="en-US" sz="1400" b="0" u="none" strike="noStrike" cap="none" dirty="0">
                           <a:solidFill>
                             <a:schemeClr val="dk1"/>
                           </a:solidFill>
                           <a:effectLst/>
-                          <a:latin typeface="+mn-lt"/>
-                          <a:ea typeface="+mn-ea"/>
-                          <a:cs typeface="+mn-cs"/>
                           <a:sym typeface="Arial"/>
                         </a:rPr>
                         <a:t> </a:t>
                       </a:r>
                       <a:r>
-                        <a:rPr lang="en-US" sz="1400" b="0" i="0" u="none" strike="noStrike" cap="none" dirty="0" err="1">
+                        <a:rPr lang="en-US" sz="1400" b="0" u="none" strike="noStrike" cap="none" dirty="0" err="1">
                           <a:solidFill>
                             <a:schemeClr val="dk1"/>
                           </a:solidFill>
                           <a:effectLst/>
-                          <a:latin typeface="+mn-lt"/>
-                          <a:ea typeface="+mn-ea"/>
-                          <a:cs typeface="+mn-cs"/>
                           <a:sym typeface="Arial"/>
                         </a:rPr>
                         <a:t>thông</a:t>
                       </a:r>
                       <a:r>
-                        <a:rPr lang="en-US" sz="1400" b="0" i="0" u="none" strike="noStrike" cap="none" dirty="0">
+                        <a:rPr lang="en-US" sz="1400" b="0" u="none" strike="noStrike" cap="none" dirty="0">
                           <a:solidFill>
                             <a:schemeClr val="dk1"/>
                           </a:solidFill>
                           <a:effectLst/>
-                          <a:latin typeface="+mn-lt"/>
-                          <a:ea typeface="+mn-ea"/>
-                          <a:cs typeface="+mn-cs"/>
                           <a:sym typeface="Arial"/>
                         </a:rPr>
                         <a:t> tin </a:t>
                       </a:r>
                       <a:r>
-                        <a:rPr lang="en-US" sz="1400" b="0" i="0" u="none" strike="noStrike" cap="none" dirty="0" err="1">
+                        <a:rPr lang="en-US" sz="1400" b="0" u="none" strike="noStrike" cap="none" dirty="0" err="1">
                           <a:solidFill>
                             <a:schemeClr val="dk1"/>
                           </a:solidFill>
                           <a:effectLst/>
-                          <a:latin typeface="+mn-lt"/>
-                          <a:ea typeface="+mn-ea"/>
-                          <a:cs typeface="+mn-cs"/>
                           <a:sym typeface="Arial"/>
                         </a:rPr>
                         <a:t>các</a:t>
                       </a:r>
                       <a:r>
-                        <a:rPr lang="en-US" sz="1400" b="0" i="0" u="none" strike="noStrike" cap="none" dirty="0">
+                        <a:rPr lang="en-US" sz="1400" b="0" u="none" strike="noStrike" cap="none" dirty="0">
                           <a:solidFill>
                             <a:schemeClr val="dk1"/>
                           </a:solidFill>
                           <a:effectLst/>
-                          <a:latin typeface="+mn-lt"/>
-                          <a:ea typeface="+mn-ea"/>
-                          <a:cs typeface="+mn-cs"/>
                           <a:sym typeface="Arial"/>
                         </a:rPr>
                         <a:t> </a:t>
                       </a:r>
                       <a:r>
-                        <a:rPr lang="en-US" sz="1400" b="0" i="0" u="none" strike="noStrike" cap="none" dirty="0" err="1">
+                        <a:rPr lang="en-US" sz="1400" b="0" u="none" strike="noStrike" cap="none" dirty="0" err="1">
                           <a:solidFill>
                             <a:schemeClr val="dk1"/>
                           </a:solidFill>
                           <a:effectLst/>
-                          <a:latin typeface="+mn-lt"/>
-                          <a:ea typeface="+mn-ea"/>
-                          <a:cs typeface="+mn-cs"/>
                           <a:sym typeface="Arial"/>
                         </a:rPr>
                         <a:t>bộ</a:t>
                       </a:r>
                       <a:r>
-                        <a:rPr lang="en-US" sz="1400" b="0" i="0" u="none" strike="noStrike" cap="none" dirty="0">
+                        <a:rPr lang="en-US" sz="1400" b="0" u="none" strike="noStrike" cap="none" dirty="0">
                           <a:solidFill>
                             <a:schemeClr val="dk1"/>
                           </a:solidFill>
                           <a:effectLst/>
-                          <a:latin typeface="+mn-lt"/>
-                          <a:ea typeface="+mn-ea"/>
-                          <a:cs typeface="+mn-cs"/>
                           <a:sym typeface="Arial"/>
                         </a:rPr>
                         <a:t> </a:t>
                       </a:r>
                       <a:r>
-                        <a:rPr lang="en-US" sz="1400" b="0" i="0" u="none" strike="noStrike" cap="none" dirty="0" err="1">
+                        <a:rPr lang="en-US" sz="1400" b="0" u="none" strike="noStrike" cap="none" dirty="0" err="1">
                           <a:solidFill>
                             <a:schemeClr val="dk1"/>
                           </a:solidFill>
                           <a:effectLst/>
-                          <a:latin typeface="+mn-lt"/>
-                          <a:ea typeface="+mn-ea"/>
-                          <a:cs typeface="+mn-cs"/>
                           <a:sym typeface="Arial"/>
                         </a:rPr>
                         <a:t>truyện</a:t>
                       </a:r>
                       <a:r>
-                        <a:rPr lang="en-US" sz="1400" b="0" i="0" u="none" strike="noStrike" cap="none" dirty="0">
+                        <a:rPr lang="en-US" sz="1400" b="0" u="none" strike="noStrike" cap="none" dirty="0">
                           <a:solidFill>
                             <a:schemeClr val="dk1"/>
                           </a:solidFill>
                           <a:effectLst/>
-                          <a:latin typeface="+mn-lt"/>
-                          <a:ea typeface="+mn-ea"/>
-                          <a:cs typeface="+mn-cs"/>
                           <a:sym typeface="Arial"/>
                         </a:rPr>
                         <a:t> </a:t>
                       </a:r>
                       <a:r>
-                        <a:rPr lang="en-US" sz="1400" b="0" i="0" u="none" strike="noStrike" cap="none" dirty="0" err="1">
+                        <a:rPr lang="en-US" sz="1400" b="0" u="none" strike="noStrike" cap="none" dirty="0" err="1">
                           <a:solidFill>
                             <a:schemeClr val="dk1"/>
                           </a:solidFill>
                           <a:effectLst/>
-                          <a:latin typeface="+mn-lt"/>
-                          <a:ea typeface="+mn-ea"/>
-                          <a:cs typeface="+mn-cs"/>
                           <a:sym typeface="Arial"/>
                         </a:rPr>
                         <a:t>thông</a:t>
                       </a:r>
                       <a:r>
-                        <a:rPr lang="en-US" sz="1400" b="0" i="0" u="none" strike="noStrike" cap="none" dirty="0">
+                        <a:rPr lang="en-US" sz="1400" b="0" u="none" strike="noStrike" cap="none" dirty="0">
                           <a:solidFill>
                             <a:schemeClr val="dk1"/>
                           </a:solidFill>
                           <a:effectLst/>
-                          <a:latin typeface="+mn-lt"/>
-                          <a:ea typeface="+mn-ea"/>
-                          <a:cs typeface="+mn-cs"/>
                           <a:sym typeface="Arial"/>
                         </a:rPr>
                         <a:t> qua </a:t>
                       </a:r>
                       <a:r>
-                        <a:rPr lang="en-US" sz="1400" b="0" i="0" u="none" strike="noStrike" cap="none" dirty="0" err="1">
+                        <a:rPr lang="en-US" sz="1400" b="0" u="none" strike="noStrike" cap="none" dirty="0" err="1">
                           <a:solidFill>
                             <a:schemeClr val="dk1"/>
                           </a:solidFill>
                           <a:effectLst/>
-                          <a:latin typeface="+mn-lt"/>
-                          <a:ea typeface="+mn-ea"/>
-                          <a:cs typeface="+mn-cs"/>
                           <a:sym typeface="Arial"/>
                         </a:rPr>
                         <a:t>tên</a:t>
                       </a:r>
                       <a:r>
-                        <a:rPr lang="en-US" sz="1400" b="0" i="0" u="none" strike="noStrike" cap="none" dirty="0">
+                        <a:rPr lang="en-US" sz="1400" b="0" u="none" strike="noStrike" cap="none" dirty="0">
                           <a:solidFill>
                             <a:schemeClr val="dk1"/>
                           </a:solidFill>
                           <a:effectLst/>
-                          <a:latin typeface="+mn-lt"/>
-                          <a:ea typeface="+mn-ea"/>
-                          <a:cs typeface="+mn-cs"/>
                           <a:sym typeface="Arial"/>
                         </a:rPr>
                         <a:t> </a:t>
                       </a:r>
                       <a:r>
-                        <a:rPr lang="en-US" sz="1400" b="0" i="0" u="none" strike="noStrike" cap="none" dirty="0" err="1">
+                        <a:rPr lang="en-US" sz="1400" b="0" u="none" strike="noStrike" cap="none" dirty="0" err="1">
                           <a:solidFill>
                             <a:schemeClr val="dk1"/>
                           </a:solidFill>
                           <a:effectLst/>
-                          <a:latin typeface="+mn-lt"/>
-                          <a:ea typeface="+mn-ea"/>
-                          <a:cs typeface="+mn-cs"/>
                           <a:sym typeface="Arial"/>
                         </a:rPr>
                         <a:t>truyện</a:t>
@@ -47355,7 +47307,7 @@
           <p:nvPr>
             <p:extLst>
               <p:ext uri="{D42A27DB-BD31-4B8C-83A1-F6EECF244321}">
-                <p14:modId xmlns:p14="http://schemas.microsoft.com/office/powerpoint/2010/main" val="3118824653"/>
+                <p14:modId xmlns:p14="http://schemas.microsoft.com/office/powerpoint/2010/main" val="4121883362"/>
               </p:ext>
             </p:extLst>
           </p:nvPr>
@@ -47368,7 +47320,7 @@
           <a:graphicData uri="http://schemas.openxmlformats.org/drawingml/2006/table">
             <a:tbl>
               <a:tblPr firstRow="1" bandRow="1">
-                <a:tableStyleId>{5C22544A-7EE6-4342-B048-85BDC9FD1C3A}</a:tableStyleId>
+                <a:tableStyleId>{7DF18680-E054-41AD-8BC1-D1AEF772440D}</a:tableStyleId>
               </a:tblPr>
               <a:tblGrid>
                 <a:gridCol w="2110902">
